--- a/doc/vision.pptx
+++ b/doc/vision.pptx
@@ -61,17 +61,17 @@
           <a:noFill/>
         </a:ln>
         <a:solidFill>
-          <a:srgbClr val="FFFFFF"/>
+          <a:srgbClr val="FF0000"/>
         </a:solidFill>
         <a:effectLst/>
         <a:uFillTx/>
-        <a:latin typeface="+mn-lt"/>
-        <a:ea typeface="+mn-ea"/>
-        <a:cs typeface="+mn-cs"/>
+        <a:latin typeface="ヒラギノ角ゴ ProN W3"/>
+        <a:ea typeface="ヒラギノ角ゴ ProN W3"/>
+        <a:cs typeface="ヒラギノ角ゴ ProN W3"/>
         <a:sym typeface="ヒラギノ角ゴ ProN W3"/>
       </a:defRPr>
     </a:lvl1pPr>
-    <a:lvl2pPr marL="0" marR="0" indent="228600" algn="ctr" defTabSz="584200" rtl="0" fontAlgn="auto" latinLnBrk="0" hangingPunct="0">
+    <a:lvl2pPr marL="0" marR="0" indent="0" algn="ctr" defTabSz="584200" rtl="0" fontAlgn="auto" latinLnBrk="0" hangingPunct="0">
       <a:lnSpc>
         <a:spcPct val="100000"/>
       </a:lnSpc>
@@ -91,17 +91,17 @@
           <a:noFill/>
         </a:ln>
         <a:solidFill>
-          <a:srgbClr val="FFFFFF"/>
+          <a:srgbClr val="FF0000"/>
         </a:solidFill>
         <a:effectLst/>
         <a:uFillTx/>
-        <a:latin typeface="+mn-lt"/>
-        <a:ea typeface="+mn-ea"/>
-        <a:cs typeface="+mn-cs"/>
+        <a:latin typeface="ヒラギノ角ゴ ProN W3"/>
+        <a:ea typeface="ヒラギノ角ゴ ProN W3"/>
+        <a:cs typeface="ヒラギノ角ゴ ProN W3"/>
         <a:sym typeface="ヒラギノ角ゴ ProN W3"/>
       </a:defRPr>
     </a:lvl2pPr>
-    <a:lvl3pPr marL="0" marR="0" indent="457200" algn="ctr" defTabSz="584200" rtl="0" fontAlgn="auto" latinLnBrk="0" hangingPunct="0">
+    <a:lvl3pPr marL="0" marR="0" indent="0" algn="ctr" defTabSz="584200" rtl="0" fontAlgn="auto" latinLnBrk="0" hangingPunct="0">
       <a:lnSpc>
         <a:spcPct val="100000"/>
       </a:lnSpc>
@@ -121,17 +121,17 @@
           <a:noFill/>
         </a:ln>
         <a:solidFill>
-          <a:srgbClr val="FFFFFF"/>
+          <a:srgbClr val="FF0000"/>
         </a:solidFill>
         <a:effectLst/>
         <a:uFillTx/>
-        <a:latin typeface="+mn-lt"/>
-        <a:ea typeface="+mn-ea"/>
-        <a:cs typeface="+mn-cs"/>
+        <a:latin typeface="ヒラギノ角ゴ ProN W3"/>
+        <a:ea typeface="ヒラギノ角ゴ ProN W3"/>
+        <a:cs typeface="ヒラギノ角ゴ ProN W3"/>
         <a:sym typeface="ヒラギノ角ゴ ProN W3"/>
       </a:defRPr>
     </a:lvl3pPr>
-    <a:lvl4pPr marL="0" marR="0" indent="685800" algn="ctr" defTabSz="584200" rtl="0" fontAlgn="auto" latinLnBrk="0" hangingPunct="0">
+    <a:lvl4pPr marL="0" marR="0" indent="0" algn="ctr" defTabSz="584200" rtl="0" fontAlgn="auto" latinLnBrk="0" hangingPunct="0">
       <a:lnSpc>
         <a:spcPct val="100000"/>
       </a:lnSpc>
@@ -151,17 +151,17 @@
           <a:noFill/>
         </a:ln>
         <a:solidFill>
-          <a:srgbClr val="FFFFFF"/>
+          <a:srgbClr val="FF0000"/>
         </a:solidFill>
         <a:effectLst/>
         <a:uFillTx/>
-        <a:latin typeface="+mn-lt"/>
-        <a:ea typeface="+mn-ea"/>
-        <a:cs typeface="+mn-cs"/>
+        <a:latin typeface="ヒラギノ角ゴ ProN W3"/>
+        <a:ea typeface="ヒラギノ角ゴ ProN W3"/>
+        <a:cs typeface="ヒラギノ角ゴ ProN W3"/>
         <a:sym typeface="ヒラギノ角ゴ ProN W3"/>
       </a:defRPr>
     </a:lvl4pPr>
-    <a:lvl5pPr marL="0" marR="0" indent="914400" algn="ctr" defTabSz="584200" rtl="0" fontAlgn="auto" latinLnBrk="0" hangingPunct="0">
+    <a:lvl5pPr marL="0" marR="0" indent="0" algn="ctr" defTabSz="584200" rtl="0" fontAlgn="auto" latinLnBrk="0" hangingPunct="0">
       <a:lnSpc>
         <a:spcPct val="100000"/>
       </a:lnSpc>
@@ -181,17 +181,17 @@
           <a:noFill/>
         </a:ln>
         <a:solidFill>
-          <a:srgbClr val="FFFFFF"/>
+          <a:srgbClr val="FF0000"/>
         </a:solidFill>
         <a:effectLst/>
         <a:uFillTx/>
-        <a:latin typeface="+mn-lt"/>
-        <a:ea typeface="+mn-ea"/>
-        <a:cs typeface="+mn-cs"/>
+        <a:latin typeface="ヒラギノ角ゴ ProN W3"/>
+        <a:ea typeface="ヒラギノ角ゴ ProN W3"/>
+        <a:cs typeface="ヒラギノ角ゴ ProN W3"/>
         <a:sym typeface="ヒラギノ角ゴ ProN W3"/>
       </a:defRPr>
     </a:lvl5pPr>
-    <a:lvl6pPr marL="0" marR="0" indent="1143000" algn="ctr" defTabSz="584200" rtl="0" fontAlgn="auto" latinLnBrk="0" hangingPunct="0">
+    <a:lvl6pPr marL="0" marR="0" indent="0" algn="ctr" defTabSz="584200" rtl="0" fontAlgn="auto" latinLnBrk="0" hangingPunct="0">
       <a:lnSpc>
         <a:spcPct val="100000"/>
       </a:lnSpc>
@@ -211,17 +211,17 @@
           <a:noFill/>
         </a:ln>
         <a:solidFill>
-          <a:srgbClr val="FFFFFF"/>
+          <a:srgbClr val="FF0000"/>
         </a:solidFill>
         <a:effectLst/>
         <a:uFillTx/>
-        <a:latin typeface="+mn-lt"/>
-        <a:ea typeface="+mn-ea"/>
-        <a:cs typeface="+mn-cs"/>
+        <a:latin typeface="ヒラギノ角ゴ ProN W3"/>
+        <a:ea typeface="ヒラギノ角ゴ ProN W3"/>
+        <a:cs typeface="ヒラギノ角ゴ ProN W3"/>
         <a:sym typeface="ヒラギノ角ゴ ProN W3"/>
       </a:defRPr>
     </a:lvl6pPr>
-    <a:lvl7pPr marL="0" marR="0" indent="1371600" algn="ctr" defTabSz="584200" rtl="0" fontAlgn="auto" latinLnBrk="0" hangingPunct="0">
+    <a:lvl7pPr marL="0" marR="0" indent="0" algn="ctr" defTabSz="584200" rtl="0" fontAlgn="auto" latinLnBrk="0" hangingPunct="0">
       <a:lnSpc>
         <a:spcPct val="100000"/>
       </a:lnSpc>
@@ -241,17 +241,17 @@
           <a:noFill/>
         </a:ln>
         <a:solidFill>
-          <a:srgbClr val="FFFFFF"/>
+          <a:srgbClr val="FF0000"/>
         </a:solidFill>
         <a:effectLst/>
         <a:uFillTx/>
-        <a:latin typeface="+mn-lt"/>
-        <a:ea typeface="+mn-ea"/>
-        <a:cs typeface="+mn-cs"/>
+        <a:latin typeface="ヒラギノ角ゴ ProN W3"/>
+        <a:ea typeface="ヒラギノ角ゴ ProN W3"/>
+        <a:cs typeface="ヒラギノ角ゴ ProN W3"/>
         <a:sym typeface="ヒラギノ角ゴ ProN W3"/>
       </a:defRPr>
     </a:lvl7pPr>
-    <a:lvl8pPr marL="0" marR="0" indent="1600200" algn="ctr" defTabSz="584200" rtl="0" fontAlgn="auto" latinLnBrk="0" hangingPunct="0">
+    <a:lvl8pPr marL="0" marR="0" indent="0" algn="ctr" defTabSz="584200" rtl="0" fontAlgn="auto" latinLnBrk="0" hangingPunct="0">
       <a:lnSpc>
         <a:spcPct val="100000"/>
       </a:lnSpc>
@@ -271,17 +271,17 @@
           <a:noFill/>
         </a:ln>
         <a:solidFill>
-          <a:srgbClr val="FFFFFF"/>
+          <a:srgbClr val="FF0000"/>
         </a:solidFill>
         <a:effectLst/>
         <a:uFillTx/>
-        <a:latin typeface="+mn-lt"/>
-        <a:ea typeface="+mn-ea"/>
-        <a:cs typeface="+mn-cs"/>
+        <a:latin typeface="ヒラギノ角ゴ ProN W3"/>
+        <a:ea typeface="ヒラギノ角ゴ ProN W3"/>
+        <a:cs typeface="ヒラギノ角ゴ ProN W3"/>
         <a:sym typeface="ヒラギノ角ゴ ProN W3"/>
       </a:defRPr>
     </a:lvl8pPr>
-    <a:lvl9pPr marL="0" marR="0" indent="1828800" algn="ctr" defTabSz="584200" rtl="0" fontAlgn="auto" latinLnBrk="0" hangingPunct="0">
+    <a:lvl9pPr marL="0" marR="0" indent="0" algn="ctr" defTabSz="584200" rtl="0" fontAlgn="auto" latinLnBrk="0" hangingPunct="0">
       <a:lnSpc>
         <a:spcPct val="100000"/>
       </a:lnSpc>
@@ -301,13 +301,13 @@
           <a:noFill/>
         </a:ln>
         <a:solidFill>
-          <a:srgbClr val="FFFFFF"/>
+          <a:srgbClr val="FF0000"/>
         </a:solidFill>
         <a:effectLst/>
         <a:uFillTx/>
-        <a:latin typeface="+mn-lt"/>
-        <a:ea typeface="+mn-ea"/>
-        <a:cs typeface="+mn-cs"/>
+        <a:latin typeface="ヒラギノ角ゴ ProN W3"/>
+        <a:ea typeface="ヒラギノ角ゴ ProN W3"/>
+        <a:cs typeface="ヒラギノ角ゴ ProN W3"/>
         <a:sym typeface="ヒラギノ角ゴ ProN W3"/>
       </a:defRPr>
     </a:lvl9pPr>
@@ -395,9 +395,9 @@
         <a:spcPct val="117999"/>
       </a:lnSpc>
       <a:defRPr sz="2200">
-        <a:latin typeface="Helvetica Neue"/>
-        <a:ea typeface="Helvetica Neue"/>
-        <a:cs typeface="Helvetica Neue"/>
+        <a:latin typeface="+mj-lt"/>
+        <a:ea typeface="+mj-ea"/>
+        <a:cs typeface="+mj-cs"/>
         <a:sym typeface="Helvetica Neue"/>
       </a:defRPr>
     </a:lvl1pPr>
@@ -406,9 +406,9 @@
         <a:spcPct val="117999"/>
       </a:lnSpc>
       <a:defRPr sz="2200">
-        <a:latin typeface="Helvetica Neue"/>
-        <a:ea typeface="Helvetica Neue"/>
-        <a:cs typeface="Helvetica Neue"/>
+        <a:latin typeface="+mj-lt"/>
+        <a:ea typeface="+mj-ea"/>
+        <a:cs typeface="+mj-cs"/>
         <a:sym typeface="Helvetica Neue"/>
       </a:defRPr>
     </a:lvl2pPr>
@@ -417,9 +417,9 @@
         <a:spcPct val="117999"/>
       </a:lnSpc>
       <a:defRPr sz="2200">
-        <a:latin typeface="Helvetica Neue"/>
-        <a:ea typeface="Helvetica Neue"/>
-        <a:cs typeface="Helvetica Neue"/>
+        <a:latin typeface="+mj-lt"/>
+        <a:ea typeface="+mj-ea"/>
+        <a:cs typeface="+mj-cs"/>
         <a:sym typeface="Helvetica Neue"/>
       </a:defRPr>
     </a:lvl3pPr>
@@ -428,9 +428,9 @@
         <a:spcPct val="117999"/>
       </a:lnSpc>
       <a:defRPr sz="2200">
-        <a:latin typeface="Helvetica Neue"/>
-        <a:ea typeface="Helvetica Neue"/>
-        <a:cs typeface="Helvetica Neue"/>
+        <a:latin typeface="+mj-lt"/>
+        <a:ea typeface="+mj-ea"/>
+        <a:cs typeface="+mj-cs"/>
         <a:sym typeface="Helvetica Neue"/>
       </a:defRPr>
     </a:lvl4pPr>
@@ -439,9 +439,9 @@
         <a:spcPct val="117999"/>
       </a:lnSpc>
       <a:defRPr sz="2200">
-        <a:latin typeface="Helvetica Neue"/>
-        <a:ea typeface="Helvetica Neue"/>
-        <a:cs typeface="Helvetica Neue"/>
+        <a:latin typeface="+mj-lt"/>
+        <a:ea typeface="+mj-ea"/>
+        <a:cs typeface="+mj-cs"/>
         <a:sym typeface="Helvetica Neue"/>
       </a:defRPr>
     </a:lvl5pPr>
@@ -450,9 +450,9 @@
         <a:spcPct val="117999"/>
       </a:lnSpc>
       <a:defRPr sz="2200">
-        <a:latin typeface="Helvetica Neue"/>
-        <a:ea typeface="Helvetica Neue"/>
-        <a:cs typeface="Helvetica Neue"/>
+        <a:latin typeface="+mj-lt"/>
+        <a:ea typeface="+mj-ea"/>
+        <a:cs typeface="+mj-cs"/>
         <a:sym typeface="Helvetica Neue"/>
       </a:defRPr>
     </a:lvl6pPr>
@@ -461,9 +461,9 @@
         <a:spcPct val="117999"/>
       </a:lnSpc>
       <a:defRPr sz="2200">
-        <a:latin typeface="Helvetica Neue"/>
-        <a:ea typeface="Helvetica Neue"/>
-        <a:cs typeface="Helvetica Neue"/>
+        <a:latin typeface="+mj-lt"/>
+        <a:ea typeface="+mj-ea"/>
+        <a:cs typeface="+mj-cs"/>
         <a:sym typeface="Helvetica Neue"/>
       </a:defRPr>
     </a:lvl7pPr>
@@ -472,9 +472,9 @@
         <a:spcPct val="117999"/>
       </a:lnSpc>
       <a:defRPr sz="2200">
-        <a:latin typeface="Helvetica Neue"/>
-        <a:ea typeface="Helvetica Neue"/>
-        <a:cs typeface="Helvetica Neue"/>
+        <a:latin typeface="+mj-lt"/>
+        <a:ea typeface="+mj-ea"/>
+        <a:cs typeface="+mj-cs"/>
         <a:sym typeface="Helvetica Neue"/>
       </a:defRPr>
     </a:lvl8pPr>
@@ -483,9 +483,9 @@
         <a:spcPct val="117999"/>
       </a:lnSpc>
       <a:defRPr sz="2200">
-        <a:latin typeface="Helvetica Neue"/>
-        <a:ea typeface="Helvetica Neue"/>
-        <a:cs typeface="Helvetica Neue"/>
+        <a:latin typeface="+mj-lt"/>
+        <a:ea typeface="+mj-ea"/>
+        <a:cs typeface="+mj-cs"/>
         <a:sym typeface="Helvetica Neue"/>
       </a:defRPr>
     </a:lvl9pPr>
@@ -566,7 +566,7 @@
               <a:buNone/>
               <a:defRPr sz="3200"/>
             </a:lvl1pPr>
-            <a:lvl2pPr marL="0" indent="228600" algn="ctr">
+            <a:lvl2pPr marL="0" indent="0" algn="ctr">
               <a:spcBef>
                 <a:spcPts val="0"/>
               </a:spcBef>
@@ -574,7 +574,7 @@
               <a:buNone/>
               <a:defRPr sz="3200"/>
             </a:lvl2pPr>
-            <a:lvl3pPr marL="0" indent="457200" algn="ctr">
+            <a:lvl3pPr marL="0" indent="0" algn="ctr">
               <a:spcBef>
                 <a:spcPts val="0"/>
               </a:spcBef>
@@ -582,7 +582,7 @@
               <a:buNone/>
               <a:defRPr sz="3200"/>
             </a:lvl3pPr>
-            <a:lvl4pPr marL="0" indent="685800" algn="ctr">
+            <a:lvl4pPr marL="0" indent="0" algn="ctr">
               <a:spcBef>
                 <a:spcPts val="0"/>
               </a:spcBef>
@@ -590,7 +590,7 @@
               <a:buNone/>
               <a:defRPr sz="3200"/>
             </a:lvl4pPr>
-            <a:lvl5pPr marL="0" indent="914400" algn="ctr">
+            <a:lvl5pPr marL="0" indent="0" algn="ctr">
               <a:spcBef>
                 <a:spcPts val="0"/>
               </a:spcBef>
@@ -684,7 +684,7 @@
           <p:cNvPr id="93" name="Shape 93"/>
           <p:cNvSpPr/>
           <p:nvPr>
-            <p:ph type="body" sz="quarter" idx="13"/>
+            <p:ph type="body" sz="quarter" idx="1"/>
           </p:nvPr>
         </p:nvSpPr>
         <p:spPr>
@@ -697,9 +697,7 @@
           </a:prstGeom>
         </p:spPr>
         <p:txBody>
-          <a:bodyPr anchor="t">
-            <a:spAutoFit/>
-          </a:bodyPr>
+          <a:bodyPr anchor="t"/>
           <a:lstStyle>
             <a:lvl1pPr marL="0" indent="0" algn="ctr">
               <a:spcBef>
@@ -728,7 +726,7 @@
           <p:cNvPr id="94" name="Shape 94"/>
           <p:cNvSpPr/>
           <p:nvPr>
-            <p:ph type="body" sz="quarter" idx="14"/>
+            <p:ph type="body" sz="quarter" idx="13"/>
           </p:nvPr>
         </p:nvSpPr>
         <p:spPr>
@@ -741,24 +739,17 @@
           </a:prstGeom>
         </p:spPr>
         <p:txBody>
-          <a:bodyPr>
-            <a:spAutoFit/>
-          </a:bodyPr>
-          <a:lstStyle>
-            <a:lvl1pPr marL="0" indent="0" algn="ctr">
+          <a:bodyPr/>
+          <a:lstStyle/>
+          <a:p>
+            <a:pPr marL="0" indent="0" algn="ctr">
               <a:spcBef>
                 <a:spcPts val="2400"/>
               </a:spcBef>
               <a:buSzTx/>
               <a:buNone/>
               <a:defRPr sz="4000"/>
-            </a:lvl1pPr>
-          </a:lstStyle>
-          <a:p>
-            <a:pPr/>
-            <a:r>
-              <a:t>“ここに引用を入力してください。”</a:t>
-            </a:r>
+            </a:pPr>
           </a:p>
         </p:txBody>
       </p:sp>
@@ -1016,7 +1007,7 @@
               <a:buNone/>
               <a:defRPr sz="3200"/>
             </a:lvl1pPr>
-            <a:lvl2pPr marL="0" indent="228600" algn="ctr">
+            <a:lvl2pPr marL="0" indent="0" algn="ctr">
               <a:spcBef>
                 <a:spcPts val="0"/>
               </a:spcBef>
@@ -1024,7 +1015,7 @@
               <a:buNone/>
               <a:defRPr sz="3200"/>
             </a:lvl2pPr>
-            <a:lvl3pPr marL="0" indent="457200" algn="ctr">
+            <a:lvl3pPr marL="0" indent="0" algn="ctr">
               <a:spcBef>
                 <a:spcPts val="0"/>
               </a:spcBef>
@@ -1032,7 +1023,7 @@
               <a:buNone/>
               <a:defRPr sz="3200"/>
             </a:lvl3pPr>
-            <a:lvl4pPr marL="0" indent="685800" algn="ctr">
+            <a:lvl4pPr marL="0" indent="0" algn="ctr">
               <a:spcBef>
                 <a:spcPts val="0"/>
               </a:spcBef>
@@ -1040,7 +1031,7 @@
               <a:buNone/>
               <a:defRPr sz="3200"/>
             </a:lvl4pPr>
-            <a:lvl5pPr marL="0" indent="914400" algn="ctr">
+            <a:lvl5pPr marL="0" indent="0" algn="ctr">
               <a:spcBef>
                 <a:spcPts val="0"/>
               </a:spcBef>
@@ -1292,7 +1283,7 @@
               <a:buNone/>
               <a:defRPr sz="3200"/>
             </a:lvl1pPr>
-            <a:lvl2pPr marL="0" indent="228600" algn="ctr">
+            <a:lvl2pPr marL="0" indent="0" algn="ctr">
               <a:spcBef>
                 <a:spcPts val="0"/>
               </a:spcBef>
@@ -1300,7 +1291,7 @@
               <a:buNone/>
               <a:defRPr sz="3200"/>
             </a:lvl2pPr>
-            <a:lvl3pPr marL="0" indent="457200" algn="ctr">
+            <a:lvl3pPr marL="0" indent="0" algn="ctr">
               <a:spcBef>
                 <a:spcPts val="0"/>
               </a:spcBef>
@@ -1308,7 +1299,7 @@
               <a:buNone/>
               <a:defRPr sz="3200"/>
             </a:lvl3pPr>
-            <a:lvl4pPr marL="0" indent="685800" algn="ctr">
+            <a:lvl4pPr marL="0" indent="0" algn="ctr">
               <a:spcBef>
                 <a:spcPts val="0"/>
               </a:spcBef>
@@ -1316,7 +1307,7 @@
               <a:buNone/>
               <a:defRPr sz="3200"/>
             </a:lvl4pPr>
-            <a:lvl5pPr marL="0" indent="914400" algn="ctr">
+            <a:lvl5pPr marL="0" indent="0" algn="ctr">
               <a:spcBef>
                 <a:spcPts val="0"/>
               </a:spcBef>
@@ -2145,7 +2136,11 @@
           </a:bodyPr>
           <a:lstStyle>
             <a:lvl1pPr>
-              <a:defRPr sz="1800"/>
+              <a:defRPr sz="1800">
+                <a:solidFill>
+                  <a:srgbClr val="FFFFFF"/>
+                </a:solidFill>
+              </a:defRPr>
             </a:lvl1pPr>
           </a:lstStyle>
           <a:p>
@@ -2197,13 +2192,13 @@
             <a:srgbClr val="FFFFFF"/>
           </a:solidFill>
           <a:uFillTx/>
-          <a:latin typeface="+mn-lt"/>
-          <a:ea typeface="+mn-ea"/>
-          <a:cs typeface="+mn-cs"/>
+          <a:latin typeface="ヒラギノ角ゴ ProN W3"/>
+          <a:ea typeface="ヒラギノ角ゴ ProN W3"/>
+          <a:cs typeface="ヒラギノ角ゴ ProN W3"/>
           <a:sym typeface="ヒラギノ角ゴ ProN W3"/>
         </a:defRPr>
       </a:lvl1pPr>
-      <a:lvl2pPr marL="0" marR="0" indent="228600" algn="ctr" defTabSz="584200" rtl="0" latinLnBrk="0">
+      <a:lvl2pPr marL="0" marR="0" indent="0" algn="ctr" defTabSz="584200" rtl="0" latinLnBrk="0">
         <a:lnSpc>
           <a:spcPct val="100000"/>
         </a:lnSpc>
@@ -2226,13 +2221,13 @@
             <a:srgbClr val="FFFFFF"/>
           </a:solidFill>
           <a:uFillTx/>
-          <a:latin typeface="+mn-lt"/>
-          <a:ea typeface="+mn-ea"/>
-          <a:cs typeface="+mn-cs"/>
+          <a:latin typeface="ヒラギノ角ゴ ProN W3"/>
+          <a:ea typeface="ヒラギノ角ゴ ProN W3"/>
+          <a:cs typeface="ヒラギノ角ゴ ProN W3"/>
           <a:sym typeface="ヒラギノ角ゴ ProN W3"/>
         </a:defRPr>
       </a:lvl2pPr>
-      <a:lvl3pPr marL="0" marR="0" indent="457200" algn="ctr" defTabSz="584200" rtl="0" latinLnBrk="0">
+      <a:lvl3pPr marL="0" marR="0" indent="0" algn="ctr" defTabSz="584200" rtl="0" latinLnBrk="0">
         <a:lnSpc>
           <a:spcPct val="100000"/>
         </a:lnSpc>
@@ -2255,13 +2250,13 @@
             <a:srgbClr val="FFFFFF"/>
           </a:solidFill>
           <a:uFillTx/>
-          <a:latin typeface="+mn-lt"/>
-          <a:ea typeface="+mn-ea"/>
-          <a:cs typeface="+mn-cs"/>
+          <a:latin typeface="ヒラギノ角ゴ ProN W3"/>
+          <a:ea typeface="ヒラギノ角ゴ ProN W3"/>
+          <a:cs typeface="ヒラギノ角ゴ ProN W3"/>
           <a:sym typeface="ヒラギノ角ゴ ProN W3"/>
         </a:defRPr>
       </a:lvl3pPr>
-      <a:lvl4pPr marL="0" marR="0" indent="685800" algn="ctr" defTabSz="584200" rtl="0" latinLnBrk="0">
+      <a:lvl4pPr marL="0" marR="0" indent="0" algn="ctr" defTabSz="584200" rtl="0" latinLnBrk="0">
         <a:lnSpc>
           <a:spcPct val="100000"/>
         </a:lnSpc>
@@ -2284,13 +2279,13 @@
             <a:srgbClr val="FFFFFF"/>
           </a:solidFill>
           <a:uFillTx/>
-          <a:latin typeface="+mn-lt"/>
-          <a:ea typeface="+mn-ea"/>
-          <a:cs typeface="+mn-cs"/>
+          <a:latin typeface="ヒラギノ角ゴ ProN W3"/>
+          <a:ea typeface="ヒラギノ角ゴ ProN W3"/>
+          <a:cs typeface="ヒラギノ角ゴ ProN W3"/>
           <a:sym typeface="ヒラギノ角ゴ ProN W3"/>
         </a:defRPr>
       </a:lvl4pPr>
-      <a:lvl5pPr marL="0" marR="0" indent="914400" algn="ctr" defTabSz="584200" rtl="0" latinLnBrk="0">
+      <a:lvl5pPr marL="0" marR="0" indent="0" algn="ctr" defTabSz="584200" rtl="0" latinLnBrk="0">
         <a:lnSpc>
           <a:spcPct val="100000"/>
         </a:lnSpc>
@@ -2313,13 +2308,13 @@
             <a:srgbClr val="FFFFFF"/>
           </a:solidFill>
           <a:uFillTx/>
-          <a:latin typeface="+mn-lt"/>
-          <a:ea typeface="+mn-ea"/>
-          <a:cs typeface="+mn-cs"/>
+          <a:latin typeface="ヒラギノ角ゴ ProN W3"/>
+          <a:ea typeface="ヒラギノ角ゴ ProN W3"/>
+          <a:cs typeface="ヒラギノ角ゴ ProN W3"/>
           <a:sym typeface="ヒラギノ角ゴ ProN W3"/>
         </a:defRPr>
       </a:lvl5pPr>
-      <a:lvl6pPr marL="0" marR="0" indent="1143000" algn="ctr" defTabSz="584200" rtl="0" latinLnBrk="0">
+      <a:lvl6pPr marL="0" marR="0" indent="0" algn="ctr" defTabSz="584200" rtl="0" latinLnBrk="0">
         <a:lnSpc>
           <a:spcPct val="100000"/>
         </a:lnSpc>
@@ -2342,13 +2337,13 @@
             <a:srgbClr val="FFFFFF"/>
           </a:solidFill>
           <a:uFillTx/>
-          <a:latin typeface="+mn-lt"/>
-          <a:ea typeface="+mn-ea"/>
-          <a:cs typeface="+mn-cs"/>
+          <a:latin typeface="ヒラギノ角ゴ ProN W3"/>
+          <a:ea typeface="ヒラギノ角ゴ ProN W3"/>
+          <a:cs typeface="ヒラギノ角ゴ ProN W3"/>
           <a:sym typeface="ヒラギノ角ゴ ProN W3"/>
         </a:defRPr>
       </a:lvl6pPr>
-      <a:lvl7pPr marL="0" marR="0" indent="1371600" algn="ctr" defTabSz="584200" rtl="0" latinLnBrk="0">
+      <a:lvl7pPr marL="0" marR="0" indent="0" algn="ctr" defTabSz="584200" rtl="0" latinLnBrk="0">
         <a:lnSpc>
           <a:spcPct val="100000"/>
         </a:lnSpc>
@@ -2371,13 +2366,13 @@
             <a:srgbClr val="FFFFFF"/>
           </a:solidFill>
           <a:uFillTx/>
-          <a:latin typeface="+mn-lt"/>
-          <a:ea typeface="+mn-ea"/>
-          <a:cs typeface="+mn-cs"/>
+          <a:latin typeface="ヒラギノ角ゴ ProN W3"/>
+          <a:ea typeface="ヒラギノ角ゴ ProN W3"/>
+          <a:cs typeface="ヒラギノ角ゴ ProN W3"/>
           <a:sym typeface="ヒラギノ角ゴ ProN W3"/>
         </a:defRPr>
       </a:lvl7pPr>
-      <a:lvl8pPr marL="0" marR="0" indent="1600200" algn="ctr" defTabSz="584200" rtl="0" latinLnBrk="0">
+      <a:lvl8pPr marL="0" marR="0" indent="0" algn="ctr" defTabSz="584200" rtl="0" latinLnBrk="0">
         <a:lnSpc>
           <a:spcPct val="100000"/>
         </a:lnSpc>
@@ -2400,13 +2395,13 @@
             <a:srgbClr val="FFFFFF"/>
           </a:solidFill>
           <a:uFillTx/>
-          <a:latin typeface="+mn-lt"/>
-          <a:ea typeface="+mn-ea"/>
-          <a:cs typeface="+mn-cs"/>
+          <a:latin typeface="ヒラギノ角ゴ ProN W3"/>
+          <a:ea typeface="ヒラギノ角ゴ ProN W3"/>
+          <a:cs typeface="ヒラギノ角ゴ ProN W3"/>
           <a:sym typeface="ヒラギノ角ゴ ProN W3"/>
         </a:defRPr>
       </a:lvl8pPr>
-      <a:lvl9pPr marL="0" marR="0" indent="1828800" algn="ctr" defTabSz="584200" rtl="0" latinLnBrk="0">
+      <a:lvl9pPr marL="0" marR="0" indent="0" algn="ctr" defTabSz="584200" rtl="0" latinLnBrk="0">
         <a:lnSpc>
           <a:spcPct val="100000"/>
         </a:lnSpc>
@@ -2429,9 +2424,9 @@
             <a:srgbClr val="FFFFFF"/>
           </a:solidFill>
           <a:uFillTx/>
-          <a:latin typeface="+mn-lt"/>
-          <a:ea typeface="+mn-ea"/>
-          <a:cs typeface="+mn-cs"/>
+          <a:latin typeface="ヒラギノ角ゴ ProN W3"/>
+          <a:ea typeface="ヒラギノ角ゴ ProN W3"/>
+          <a:cs typeface="ヒラギノ角ゴ ProN W3"/>
           <a:sym typeface="ヒラギノ角ゴ ProN W3"/>
         </a:defRPr>
       </a:lvl9pPr>
@@ -2460,9 +2455,9 @@
             <a:srgbClr val="FFFFFF"/>
           </a:solidFill>
           <a:uFillTx/>
-          <a:latin typeface="+mn-lt"/>
-          <a:ea typeface="+mn-ea"/>
-          <a:cs typeface="+mn-cs"/>
+          <a:latin typeface="ヒラギノ角ゴ ProN W3"/>
+          <a:ea typeface="ヒラギノ角ゴ ProN W3"/>
+          <a:cs typeface="ヒラギノ角ゴ ProN W3"/>
           <a:sym typeface="ヒラギノ角ゴ ProN W3"/>
         </a:defRPr>
       </a:lvl1pPr>
@@ -2489,9 +2484,9 @@
             <a:srgbClr val="FFFFFF"/>
           </a:solidFill>
           <a:uFillTx/>
-          <a:latin typeface="+mn-lt"/>
-          <a:ea typeface="+mn-ea"/>
-          <a:cs typeface="+mn-cs"/>
+          <a:latin typeface="ヒラギノ角ゴ ProN W3"/>
+          <a:ea typeface="ヒラギノ角ゴ ProN W3"/>
+          <a:cs typeface="ヒラギノ角ゴ ProN W3"/>
           <a:sym typeface="ヒラギノ角ゴ ProN W3"/>
         </a:defRPr>
       </a:lvl2pPr>
@@ -2518,9 +2513,9 @@
             <a:srgbClr val="FFFFFF"/>
           </a:solidFill>
           <a:uFillTx/>
-          <a:latin typeface="+mn-lt"/>
-          <a:ea typeface="+mn-ea"/>
-          <a:cs typeface="+mn-cs"/>
+          <a:latin typeface="ヒラギノ角ゴ ProN W3"/>
+          <a:ea typeface="ヒラギノ角ゴ ProN W3"/>
+          <a:cs typeface="ヒラギノ角ゴ ProN W3"/>
           <a:sym typeface="ヒラギノ角ゴ ProN W3"/>
         </a:defRPr>
       </a:lvl3pPr>
@@ -2547,9 +2542,9 @@
             <a:srgbClr val="FFFFFF"/>
           </a:solidFill>
           <a:uFillTx/>
-          <a:latin typeface="+mn-lt"/>
-          <a:ea typeface="+mn-ea"/>
-          <a:cs typeface="+mn-cs"/>
+          <a:latin typeface="ヒラギノ角ゴ ProN W3"/>
+          <a:ea typeface="ヒラギノ角ゴ ProN W3"/>
+          <a:cs typeface="ヒラギノ角ゴ ProN W3"/>
           <a:sym typeface="ヒラギノ角ゴ ProN W3"/>
         </a:defRPr>
       </a:lvl4pPr>
@@ -2576,9 +2571,9 @@
             <a:srgbClr val="FFFFFF"/>
           </a:solidFill>
           <a:uFillTx/>
-          <a:latin typeface="+mn-lt"/>
-          <a:ea typeface="+mn-ea"/>
-          <a:cs typeface="+mn-cs"/>
+          <a:latin typeface="ヒラギノ角ゴ ProN W3"/>
+          <a:ea typeface="ヒラギノ角ゴ ProN W3"/>
+          <a:cs typeface="ヒラギノ角ゴ ProN W3"/>
           <a:sym typeface="ヒラギノ角ゴ ProN W3"/>
         </a:defRPr>
       </a:lvl5pPr>
@@ -2605,9 +2600,9 @@
             <a:srgbClr val="FFFFFF"/>
           </a:solidFill>
           <a:uFillTx/>
-          <a:latin typeface="+mn-lt"/>
-          <a:ea typeface="+mn-ea"/>
-          <a:cs typeface="+mn-cs"/>
+          <a:latin typeface="ヒラギノ角ゴ ProN W3"/>
+          <a:ea typeface="ヒラギノ角ゴ ProN W3"/>
+          <a:cs typeface="ヒラギノ角ゴ ProN W3"/>
           <a:sym typeface="ヒラギノ角ゴ ProN W3"/>
         </a:defRPr>
       </a:lvl6pPr>
@@ -2634,9 +2629,9 @@
             <a:srgbClr val="FFFFFF"/>
           </a:solidFill>
           <a:uFillTx/>
-          <a:latin typeface="+mn-lt"/>
-          <a:ea typeface="+mn-ea"/>
-          <a:cs typeface="+mn-cs"/>
+          <a:latin typeface="ヒラギノ角ゴ ProN W3"/>
+          <a:ea typeface="ヒラギノ角ゴ ProN W3"/>
+          <a:cs typeface="ヒラギノ角ゴ ProN W3"/>
           <a:sym typeface="ヒラギノ角ゴ ProN W3"/>
         </a:defRPr>
       </a:lvl7pPr>
@@ -2663,9 +2658,9 @@
             <a:srgbClr val="FFFFFF"/>
           </a:solidFill>
           <a:uFillTx/>
-          <a:latin typeface="+mn-lt"/>
-          <a:ea typeface="+mn-ea"/>
-          <a:cs typeface="+mn-cs"/>
+          <a:latin typeface="ヒラギノ角ゴ ProN W3"/>
+          <a:ea typeface="ヒラギノ角ゴ ProN W3"/>
+          <a:cs typeface="ヒラギノ角ゴ ProN W3"/>
           <a:sym typeface="ヒラギノ角ゴ ProN W3"/>
         </a:defRPr>
       </a:lvl8pPr>
@@ -2692,9 +2687,9 @@
             <a:srgbClr val="FFFFFF"/>
           </a:solidFill>
           <a:uFillTx/>
-          <a:latin typeface="+mn-lt"/>
-          <a:ea typeface="+mn-ea"/>
-          <a:cs typeface="+mn-cs"/>
+          <a:latin typeface="ヒラギノ角ゴ ProN W3"/>
+          <a:ea typeface="ヒラギノ角ゴ ProN W3"/>
+          <a:cs typeface="ヒラギノ角ゴ ProN W3"/>
           <a:sym typeface="ヒラギノ角ゴ ProN W3"/>
         </a:defRPr>
       </a:lvl9pPr>
@@ -2729,7 +2724,7 @@
           <a:sym typeface="ヒラギノ角ゴ ProN W3"/>
         </a:defRPr>
       </a:lvl1pPr>
-      <a:lvl2pPr marL="0" marR="0" indent="228600" algn="ctr" defTabSz="584200" rtl="0" latinLnBrk="0">
+      <a:lvl2pPr marL="0" marR="0" indent="0" algn="ctr" defTabSz="584200" rtl="0" latinLnBrk="0">
         <a:lnSpc>
           <a:spcPct val="100000"/>
         </a:lnSpc>
@@ -2758,7 +2753,7 @@
           <a:sym typeface="ヒラギノ角ゴ ProN W3"/>
         </a:defRPr>
       </a:lvl2pPr>
-      <a:lvl3pPr marL="0" marR="0" indent="457200" algn="ctr" defTabSz="584200" rtl="0" latinLnBrk="0">
+      <a:lvl3pPr marL="0" marR="0" indent="0" algn="ctr" defTabSz="584200" rtl="0" latinLnBrk="0">
         <a:lnSpc>
           <a:spcPct val="100000"/>
         </a:lnSpc>
@@ -2787,7 +2782,7 @@
           <a:sym typeface="ヒラギノ角ゴ ProN W3"/>
         </a:defRPr>
       </a:lvl3pPr>
-      <a:lvl4pPr marL="0" marR="0" indent="685800" algn="ctr" defTabSz="584200" rtl="0" latinLnBrk="0">
+      <a:lvl4pPr marL="0" marR="0" indent="0" algn="ctr" defTabSz="584200" rtl="0" latinLnBrk="0">
         <a:lnSpc>
           <a:spcPct val="100000"/>
         </a:lnSpc>
@@ -2816,7 +2811,7 @@
           <a:sym typeface="ヒラギノ角ゴ ProN W3"/>
         </a:defRPr>
       </a:lvl4pPr>
-      <a:lvl5pPr marL="0" marR="0" indent="914400" algn="ctr" defTabSz="584200" rtl="0" latinLnBrk="0">
+      <a:lvl5pPr marL="0" marR="0" indent="0" algn="ctr" defTabSz="584200" rtl="0" latinLnBrk="0">
         <a:lnSpc>
           <a:spcPct val="100000"/>
         </a:lnSpc>
@@ -2845,7 +2840,7 @@
           <a:sym typeface="ヒラギノ角ゴ ProN W3"/>
         </a:defRPr>
       </a:lvl5pPr>
-      <a:lvl6pPr marL="0" marR="0" indent="1143000" algn="ctr" defTabSz="584200" rtl="0" latinLnBrk="0">
+      <a:lvl6pPr marL="0" marR="0" indent="0" algn="ctr" defTabSz="584200" rtl="0" latinLnBrk="0">
         <a:lnSpc>
           <a:spcPct val="100000"/>
         </a:lnSpc>
@@ -2874,7 +2869,7 @@
           <a:sym typeface="ヒラギノ角ゴ ProN W3"/>
         </a:defRPr>
       </a:lvl6pPr>
-      <a:lvl7pPr marL="0" marR="0" indent="1371600" algn="ctr" defTabSz="584200" rtl="0" latinLnBrk="0">
+      <a:lvl7pPr marL="0" marR="0" indent="0" algn="ctr" defTabSz="584200" rtl="0" latinLnBrk="0">
         <a:lnSpc>
           <a:spcPct val="100000"/>
         </a:lnSpc>
@@ -2903,7 +2898,7 @@
           <a:sym typeface="ヒラギノ角ゴ ProN W3"/>
         </a:defRPr>
       </a:lvl7pPr>
-      <a:lvl8pPr marL="0" marR="0" indent="1600200" algn="ctr" defTabSz="584200" rtl="0" latinLnBrk="0">
+      <a:lvl8pPr marL="0" marR="0" indent="0" algn="ctr" defTabSz="584200" rtl="0" latinLnBrk="0">
         <a:lnSpc>
           <a:spcPct val="100000"/>
         </a:lnSpc>
@@ -2932,7 +2927,7 @@
           <a:sym typeface="ヒラギノ角ゴ ProN W3"/>
         </a:defRPr>
       </a:lvl8pPr>
-      <a:lvl9pPr marL="0" marR="0" indent="1828800" algn="ctr" defTabSz="584200" rtl="0" latinLnBrk="0">
+      <a:lvl9pPr marL="0" marR="0" indent="0" algn="ctr" defTabSz="584200" rtl="0" latinLnBrk="0">
         <a:lnSpc>
           <a:spcPct val="100000"/>
         </a:lnSpc>
@@ -3025,16 +3020,37 @@
           <a:lstStyle>
             <a:lvl1pPr>
               <a:defRPr u="sng">
+                <a:solidFill>
+                  <a:srgbClr val="0000FF"/>
+                </a:solidFill>
+                <a:uFill>
+                  <a:solidFill>
+                    <a:srgbClr val="0000FF"/>
+                  </a:solidFill>
+                </a:uFill>
                 <a:hlinkClick r:id="rId2" invalidUrl="" action="" tgtFrame="" tooltip="" history="1" highlightClick="0" endSnd="0"/>
               </a:defRPr>
             </a:lvl1pPr>
           </a:lstStyle>
           <a:p>
             <a:pPr>
-              <a:defRPr u="none"/>
+              <a:defRPr>
+                <a:solidFill>
+                  <a:srgbClr val="FFFFFF"/>
+                </a:solidFill>
+                <a:uFillTx/>
+              </a:defRPr>
             </a:pPr>
             <a:r>
-              <a:rPr u="sng">
+              <a:rPr>
+                <a:solidFill>
+                  <a:srgbClr val="0000FF"/>
+                </a:solidFill>
+                <a:uFill>
+                  <a:solidFill>
+                    <a:srgbClr val="0000FF"/>
+                  </a:solidFill>
+                </a:uFill>
                 <a:hlinkClick r:id="rId2" invalidUrl="" action="" tgtFrame="" tooltip="" history="1" highlightClick="0" endSnd="0"/>
               </a:rPr>
               <a:t>camphortree.org</a:t>
@@ -3115,14 +3131,14 @@
           <a:p>
             <a:pPr/>
             <a:r>
-              <a:t>いつでも、どこでも、行きたいところに簡単ナビ</a:t>
+              <a:t>ブラザーがいつでも、どこでも、目的地までの行き方を教えてくれる</a:t>
             </a:r>
           </a:p>
         </p:txBody>
       </p:sp>
       <p:pic>
         <p:nvPicPr>
-          <p:cNvPr id="124" name="pasted-image.tiff"/>
+          <p:cNvPr id="124" name="image1.tif"/>
           <p:cNvPicPr>
             <a:picLocks noChangeAspect="1"/>
           </p:cNvPicPr>
@@ -3138,8 +3154,8 @@
         </p:blipFill>
         <p:spPr>
           <a:xfrm>
-            <a:off x="774700" y="3958576"/>
-            <a:ext cx="5513531" cy="4135148"/>
+            <a:off x="1206500" y="4273049"/>
+            <a:ext cx="4941833" cy="3706375"/>
           </a:xfrm>
           <a:prstGeom prst="rect">
             <a:avLst/>
@@ -3151,7 +3167,7 @@
       </p:pic>
       <p:pic>
         <p:nvPicPr>
-          <p:cNvPr id="125" name="pasted-image.tiff"/>
+          <p:cNvPr id="125" name="image2.tif"/>
           <p:cNvPicPr>
             <a:picLocks noChangeAspect="1"/>
           </p:cNvPicPr>
@@ -3167,8 +3183,8 @@
         </p:blipFill>
         <p:spPr>
           <a:xfrm>
-            <a:off x="6464247" y="4024014"/>
-            <a:ext cx="5835703" cy="3420072"/>
+            <a:off x="6464246" y="4402762"/>
+            <a:ext cx="5189443" cy="3041324"/>
           </a:xfrm>
           <a:prstGeom prst="rect">
             <a:avLst/>
@@ -3251,19 +3267,13 @@
           <a:p>
             <a:pPr/>
             <a:r>
-              <a:t>移動中に目的地まで、徒歩含む最短ルートを知りたい</a:t>
+              <a:t>移動中に目的地まで、最適な移動方法(徒歩含む)を知りたい</a:t>
             </a:r>
           </a:p>
           <a:p>
             <a:pPr/>
             <a:r>
               <a:t>検索ではなく、候補を知りたい</a:t>
-            </a:r>
-          </a:p>
-          <a:p>
-            <a:pPr/>
-            <a:r>
-              <a:t>地図のように使いたい</a:t>
             </a:r>
           </a:p>
           <a:p>
@@ -3288,16 +3298,16 @@
   <a:themeElements>
     <a:clrScheme name="Gradient">
       <a:dk1>
-        <a:srgbClr val="FF0000"/>
+        <a:srgbClr val="FFFFFF"/>
       </a:dk1>
       <a:lt1>
-        <a:srgbClr val="FFFFFF"/>
+        <a:srgbClr val="FF0000"/>
       </a:lt1>
       <a:dk2>
-        <a:srgbClr val="53585F"/>
+        <a:srgbClr val="A7A7A7"/>
       </a:dk2>
       <a:lt2>
-        <a:srgbClr val="DCDEE0"/>
+        <a:srgbClr val="535353"/>
       </a:lt2>
       <a:accent1>
         <a:srgbClr val="0065C1"/>
@@ -3326,14 +3336,14 @@
     </a:clrScheme>
     <a:fontScheme name="Gradient">
       <a:majorFont>
-        <a:latin typeface="ヒラギノ角ゴ ProN W3"/>
-        <a:ea typeface="ヒラギノ角ゴ ProN W3"/>
-        <a:cs typeface="ヒラギノ角ゴ ProN W3"/>
+        <a:latin typeface="Helvetica Neue"/>
+        <a:ea typeface="Helvetica Neue"/>
+        <a:cs typeface="Helvetica Neue"/>
       </a:majorFont>
       <a:minorFont>
-        <a:latin typeface="ヒラギノ角ゴ ProN W3"/>
-        <a:ea typeface="ヒラギノ角ゴ ProN W3"/>
-        <a:cs typeface="ヒラギノ角ゴ ProN W3"/>
+        <a:latin typeface="Helvetica"/>
+        <a:ea typeface="Helvetica"/>
+        <a:cs typeface="Helvetica"/>
       </a:minorFont>
     </a:fontScheme>
     <a:fmtScheme name="Gradient">
@@ -3491,24 +3501,15 @@
   <a:objectDefaults>
     <a:spDef>
       <a:spPr>
-        <a:gradFill flip="none" rotWithShape="1">
-          <a:gsLst>
-            <a:gs pos="0">
-              <a:schemeClr val="accent1"/>
-            </a:gs>
-            <a:gs pos="100000">
-              <a:schemeClr val="accent1">
-                <a:hueOff val="321133"/>
-                <a:satOff val="-12043"/>
-                <a:lumOff val="-7113"/>
-              </a:schemeClr>
-            </a:gs>
-          </a:gsLst>
-          <a:lin ang="5400000" scaled="0"/>
-        </a:gradFill>
-        <a:ln w="12700" cap="flat">
-          <a:noFill/>
-          <a:miter lim="400000"/>
+        <a:solidFill>
+          <a:srgbClr val="FFFFFF"/>
+        </a:solidFill>
+        <a:ln w="25400" cap="flat">
+          <a:solidFill>
+            <a:schemeClr val="accent1"/>
+          </a:solidFill>
+          <a:prstDash val="solid"/>
+          <a:round/>
         </a:ln>
         <a:effectLst>
           <a:outerShdw sx="100000" sy="100000" kx="0" ky="0" algn="b" rotWithShape="0" blurRad="76200" dist="0" dir="18900000">
@@ -3538,24 +3539,18 @@
           <a:buFontTx/>
           <a:buNone/>
           <a:tabLst/>
-          <a:defRPr b="0" baseline="0" cap="none" i="0" spc="0" strike="noStrike" sz="2400" u="none" kumimoji="0" normalizeH="0">
-            <a:ln>
-              <a:noFill/>
-            </a:ln>
-            <a:solidFill>
-              <a:srgbClr val="FFFFFF"/>
-            </a:solidFill>
-            <a:effectLst>
-              <a:outerShdw sx="100000" sy="100000" kx="0" ky="0" algn="b" rotWithShape="0" blurRad="25400" dist="23998" dir="2700000">
-                <a:srgbClr val="000000">
-                  <a:alpha val="31034"/>
-                </a:srgbClr>
-              </a:outerShdw>
-            </a:effectLst>
-            <a:uFillTx/>
-            <a:latin typeface="+mn-lt"/>
-            <a:ea typeface="+mn-ea"/>
-            <a:cs typeface="+mn-cs"/>
+          <a:defRPr b="0" baseline="0" cap="none" i="0" spc="0" strike="noStrike" sz="3800" u="none" kumimoji="0" normalizeH="0">
+            <a:ln>
+              <a:noFill/>
+            </a:ln>
+            <a:solidFill>
+              <a:srgbClr val="FF0000"/>
+            </a:solidFill>
+            <a:effectLst/>
+            <a:uFillTx/>
+            <a:latin typeface="ヒラギノ角ゴ ProN W3"/>
+            <a:ea typeface="ヒラギノ角ゴ ProN W3"/>
+            <a:cs typeface="ヒラギノ角ゴ ProN W3"/>
             <a:sym typeface="ヒラギノ角ゴ ProN W3"/>
           </a:defRPr>
         </a:defPPr>
@@ -3806,12 +3801,18 @@
         <a:noFill/>
         <a:ln w="25400" cap="flat">
           <a:solidFill>
-            <a:srgbClr val="FFFFFF"/>
+            <a:schemeClr val="accent1"/>
           </a:solidFill>
           <a:prstDash val="solid"/>
-          <a:miter lim="400000"/>
+          <a:round/>
         </a:ln>
-        <a:effectLst/>
+        <a:effectLst>
+          <a:outerShdw sx="100000" sy="100000" kx="0" ky="0" algn="b" rotWithShape="0" blurRad="76200" dist="0" dir="18900000">
+            <a:srgbClr val="000000">
+              <a:alpha val="80000"/>
+            </a:srgbClr>
+          </a:outerShdw>
+        </a:effectLst>
         <a:sp3d/>
       </a:spPr>
       <a:bodyPr rot="0" spcFirstLastPara="1" vertOverflow="overflow" horzOverflow="overflow" vert="horz" wrap="square" lIns="91439" tIns="45719" rIns="91439" bIns="45719" numCol="1" spcCol="38100" rtlCol="0" anchor="t" upright="0">
@@ -4120,13 +4121,13 @@
               <a:noFill/>
             </a:ln>
             <a:solidFill>
-              <a:srgbClr val="FFFFFF"/>
-            </a:solidFill>
-            <a:effectLst/>
-            <a:uFillTx/>
-            <a:latin typeface="+mn-lt"/>
-            <a:ea typeface="+mn-ea"/>
-            <a:cs typeface="+mn-cs"/>
+              <a:srgbClr val="FF0000"/>
+            </a:solidFill>
+            <a:effectLst/>
+            <a:uFillTx/>
+            <a:latin typeface="ヒラギノ角ゴ ProN W3"/>
+            <a:ea typeface="ヒラギノ角ゴ ProN W3"/>
+            <a:cs typeface="ヒラギノ角ゴ ProN W3"/>
             <a:sym typeface="ヒラギノ角ゴ ProN W3"/>
           </a:defRPr>
         </a:defPPr>
@@ -4387,10 +4388,10 @@
         <a:srgbClr val="FFFFFF"/>
       </a:lt1>
       <a:dk2>
-        <a:srgbClr val="53585F"/>
+        <a:srgbClr val="A7A7A7"/>
       </a:dk2>
       <a:lt2>
-        <a:srgbClr val="DCDEE0"/>
+        <a:srgbClr val="535353"/>
       </a:lt2>
       <a:accent1>
         <a:srgbClr val="0065C1"/>
@@ -4419,14 +4420,14 @@
     </a:clrScheme>
     <a:fontScheme name="Gradient">
       <a:majorFont>
-        <a:latin typeface="ヒラギノ角ゴ ProN W3"/>
-        <a:ea typeface="ヒラギノ角ゴ ProN W3"/>
-        <a:cs typeface="ヒラギノ角ゴ ProN W3"/>
+        <a:latin typeface="Helvetica Neue"/>
+        <a:ea typeface="Helvetica Neue"/>
+        <a:cs typeface="Helvetica Neue"/>
       </a:majorFont>
       <a:minorFont>
-        <a:latin typeface="ヒラギノ角ゴ ProN W3"/>
-        <a:ea typeface="ヒラギノ角ゴ ProN W3"/>
-        <a:cs typeface="ヒラギノ角ゴ ProN W3"/>
+        <a:latin typeface="Helvetica"/>
+        <a:ea typeface="Helvetica"/>
+        <a:cs typeface="Helvetica"/>
       </a:minorFont>
     </a:fontScheme>
     <a:fmtScheme name="Gradient">
@@ -4584,24 +4585,15 @@
   <a:objectDefaults>
     <a:spDef>
       <a:spPr>
-        <a:gradFill flip="none" rotWithShape="1">
-          <a:gsLst>
-            <a:gs pos="0">
-              <a:schemeClr val="accent1"/>
-            </a:gs>
-            <a:gs pos="100000">
-              <a:schemeClr val="accent1">
-                <a:hueOff val="321133"/>
-                <a:satOff val="-12043"/>
-                <a:lumOff val="-7113"/>
-              </a:schemeClr>
-            </a:gs>
-          </a:gsLst>
-          <a:lin ang="5400000" scaled="0"/>
-        </a:gradFill>
-        <a:ln w="12700" cap="flat">
-          <a:noFill/>
-          <a:miter lim="400000"/>
+        <a:solidFill>
+          <a:srgbClr val="FFFFFF"/>
+        </a:solidFill>
+        <a:ln w="25400" cap="flat">
+          <a:solidFill>
+            <a:schemeClr val="accent1"/>
+          </a:solidFill>
+          <a:prstDash val="solid"/>
+          <a:round/>
         </a:ln>
         <a:effectLst>
           <a:outerShdw sx="100000" sy="100000" kx="0" ky="0" algn="b" rotWithShape="0" blurRad="76200" dist="0" dir="18900000">
@@ -4631,24 +4623,18 @@
           <a:buFontTx/>
           <a:buNone/>
           <a:tabLst/>
-          <a:defRPr b="0" baseline="0" cap="none" i="0" spc="0" strike="noStrike" sz="2400" u="none" kumimoji="0" normalizeH="0">
-            <a:ln>
-              <a:noFill/>
-            </a:ln>
-            <a:solidFill>
-              <a:srgbClr val="FFFFFF"/>
-            </a:solidFill>
-            <a:effectLst>
-              <a:outerShdw sx="100000" sy="100000" kx="0" ky="0" algn="b" rotWithShape="0" blurRad="25400" dist="23998" dir="2700000">
-                <a:srgbClr val="000000">
-                  <a:alpha val="31034"/>
-                </a:srgbClr>
-              </a:outerShdw>
-            </a:effectLst>
-            <a:uFillTx/>
-            <a:latin typeface="+mn-lt"/>
-            <a:ea typeface="+mn-ea"/>
-            <a:cs typeface="+mn-cs"/>
+          <a:defRPr b="0" baseline="0" cap="none" i="0" spc="0" strike="noStrike" sz="3800" u="none" kumimoji="0" normalizeH="0">
+            <a:ln>
+              <a:noFill/>
+            </a:ln>
+            <a:solidFill>
+              <a:srgbClr val="FF0000"/>
+            </a:solidFill>
+            <a:effectLst/>
+            <a:uFillTx/>
+            <a:latin typeface="ヒラギノ角ゴ ProN W3"/>
+            <a:ea typeface="ヒラギノ角ゴ ProN W3"/>
+            <a:cs typeface="ヒラギノ角ゴ ProN W3"/>
             <a:sym typeface="ヒラギノ角ゴ ProN W3"/>
           </a:defRPr>
         </a:defPPr>
@@ -4899,12 +4885,18 @@
         <a:noFill/>
         <a:ln w="25400" cap="flat">
           <a:solidFill>
-            <a:srgbClr val="FFFFFF"/>
+            <a:schemeClr val="accent1"/>
           </a:solidFill>
           <a:prstDash val="solid"/>
-          <a:miter lim="400000"/>
+          <a:round/>
         </a:ln>
-        <a:effectLst/>
+        <a:effectLst>
+          <a:outerShdw sx="100000" sy="100000" kx="0" ky="0" algn="b" rotWithShape="0" blurRad="76200" dist="0" dir="18900000">
+            <a:srgbClr val="000000">
+              <a:alpha val="80000"/>
+            </a:srgbClr>
+          </a:outerShdw>
+        </a:effectLst>
         <a:sp3d/>
       </a:spPr>
       <a:bodyPr rot="0" spcFirstLastPara="1" vertOverflow="overflow" horzOverflow="overflow" vert="horz" wrap="square" lIns="91439" tIns="45719" rIns="91439" bIns="45719" numCol="1" spcCol="38100" rtlCol="0" anchor="t" upright="0">
@@ -5213,13 +5205,13 @@
               <a:noFill/>
             </a:ln>
             <a:solidFill>
-              <a:srgbClr val="FFFFFF"/>
-            </a:solidFill>
-            <a:effectLst/>
-            <a:uFillTx/>
-            <a:latin typeface="+mn-lt"/>
-            <a:ea typeface="+mn-ea"/>
-            <a:cs typeface="+mn-cs"/>
+              <a:srgbClr val="FF0000"/>
+            </a:solidFill>
+            <a:effectLst/>
+            <a:uFillTx/>
+            <a:latin typeface="ヒラギノ角ゴ ProN W3"/>
+            <a:ea typeface="ヒラギノ角ゴ ProN W3"/>
+            <a:cs typeface="ヒラギノ角ゴ ProN W3"/>
             <a:sym typeface="ヒラギノ角ゴ ProN W3"/>
           </a:defRPr>
         </a:defPPr>
